--- a/project_review/Revue de PIE 2.pptx
+++ b/project_review/Revue de PIE 2.pptx
@@ -208,7 +208,7 @@
           <a:p>
             <a:fld id="{3922028E-F4F8-4ACD-A319-D9EF1CFB64E9}" type="datetimeFigureOut">
               <a:rPr lang="fr-FR" smtClean="0"/>
-              <a:t>23/01/2019</a:t>
+              <a:t>10/02/2019</a:t>
             </a:fld>
             <a:endParaRPr lang="fr-FR"/>
           </a:p>
@@ -663,7 +663,7 @@
           <a:p>
             <a:fld id="{A05785C5-1F30-485B-9868-B24C5A3AEDC2}" type="datetime1">
               <a:rPr lang="fr-FR" smtClean="0"/>
-              <a:t>23/01/2019</a:t>
+              <a:t>10/02/2019</a:t>
             </a:fld>
             <a:endParaRPr lang="fr-FR"/>
           </a:p>
@@ -1001,7 +1001,7 @@
           <a:p>
             <a:fld id="{6373307B-A432-4F11-AF98-8219A7093847}" type="datetime1">
               <a:rPr lang="fr-FR" smtClean="0"/>
-              <a:t>23/01/2019</a:t>
+              <a:t>10/02/2019</a:t>
             </a:fld>
             <a:endParaRPr lang="fr-FR"/>
           </a:p>
@@ -1402,7 +1402,7 @@
           <a:p>
             <a:fld id="{2AAA1F58-5E32-4AC2-A96C-9D4EE7CD363E}" type="datetime1">
               <a:rPr lang="fr-FR" smtClean="0"/>
-              <a:t>23/01/2019</a:t>
+              <a:t>10/02/2019</a:t>
             </a:fld>
             <a:endParaRPr lang="fr-FR"/>
           </a:p>
@@ -1738,7 +1738,7 @@
           <a:p>
             <a:fld id="{82246923-0D4E-442F-A2B7-5E1CC6438E6B}" type="datetime1">
               <a:rPr lang="fr-FR" smtClean="0"/>
-              <a:t>23/01/2019</a:t>
+              <a:t>10/02/2019</a:t>
             </a:fld>
             <a:endParaRPr lang="fr-FR"/>
           </a:p>
@@ -2058,7 +2058,7 @@
           <a:p>
             <a:fld id="{F88FED39-97CE-41AE-B565-5ACD51819870}" type="datetime1">
               <a:rPr lang="fr-FR" smtClean="0"/>
-              <a:t>23/01/2019</a:t>
+              <a:t>10/02/2019</a:t>
             </a:fld>
             <a:endParaRPr lang="fr-FR"/>
           </a:p>
@@ -2454,7 +2454,7 @@
           <a:p>
             <a:fld id="{F98DEBB1-6D04-4DA4-AD87-58C85BE1A30A}" type="datetime1">
               <a:rPr lang="fr-FR" smtClean="0"/>
-              <a:t>23/01/2019</a:t>
+              <a:t>10/02/2019</a:t>
             </a:fld>
             <a:endParaRPr lang="fr-FR"/>
           </a:p>
@@ -2711,7 +2711,7 @@
           <a:p>
             <a:fld id="{136B2BA4-7729-48E6-BB30-187875A38D05}" type="datetime1">
               <a:rPr lang="fr-FR" smtClean="0"/>
-              <a:t>23/01/2019</a:t>
+              <a:t>10/02/2019</a:t>
             </a:fld>
             <a:endParaRPr lang="fr-FR"/>
           </a:p>
@@ -2973,7 +2973,7 @@
           <a:p>
             <a:fld id="{CCED1CCF-ADEE-4E92-9D8F-F350AB31E60B}" type="datetime1">
               <a:rPr lang="fr-FR" smtClean="0"/>
-              <a:t>23/01/2019</a:t>
+              <a:t>10/02/2019</a:t>
             </a:fld>
             <a:endParaRPr lang="fr-FR"/>
           </a:p>
@@ -3235,7 +3235,7 @@
           <a:p>
             <a:fld id="{91807227-7072-4C2D-8CA3-4E5C76C34068}" type="datetime1">
               <a:rPr lang="fr-FR" smtClean="0"/>
-              <a:t>23/01/2019</a:t>
+              <a:t>10/02/2019</a:t>
             </a:fld>
             <a:endParaRPr lang="fr-FR"/>
           </a:p>
@@ -3564,7 +3564,7 @@
           <a:p>
             <a:fld id="{3EFC6FC0-EEAB-4403-B8C2-F43882F9F6D0}" type="datetime1">
               <a:rPr lang="fr-FR" smtClean="0"/>
-              <a:t>23/01/2019</a:t>
+              <a:t>10/02/2019</a:t>
             </a:fld>
             <a:endParaRPr lang="fr-FR"/>
           </a:p>
@@ -3887,7 +3887,7 @@
           <a:p>
             <a:fld id="{1A6B61B1-A898-4FBE-8333-F2A2EFB4E8D1}" type="datetime1">
               <a:rPr lang="fr-FR" smtClean="0"/>
-              <a:t>23/01/2019</a:t>
+              <a:t>10/02/2019</a:t>
             </a:fld>
             <a:endParaRPr lang="fr-FR"/>
           </a:p>
@@ -4344,7 +4344,7 @@
           <a:p>
             <a:fld id="{62916EB0-E5CE-4370-A497-0DD53D1435EF}" type="datetime1">
               <a:rPr lang="fr-FR" smtClean="0"/>
-              <a:t>23/01/2019</a:t>
+              <a:t>10/02/2019</a:t>
             </a:fld>
             <a:endParaRPr lang="fr-FR"/>
           </a:p>
@@ -4549,7 +4549,7 @@
           <a:p>
             <a:fld id="{798B2EED-28CA-4B1A-BFB4-1A45889A5C38}" type="datetime1">
               <a:rPr lang="fr-FR" smtClean="0"/>
-              <a:t>23/01/2019</a:t>
+              <a:t>10/02/2019</a:t>
             </a:fld>
             <a:endParaRPr lang="fr-FR"/>
           </a:p>
@@ -4726,7 +4726,7 @@
           <a:p>
             <a:fld id="{3EFA495B-5E0A-4084-90E0-14CA3BB81890}" type="datetime1">
               <a:rPr lang="fr-FR" smtClean="0"/>
-              <a:t>23/01/2019</a:t>
+              <a:t>10/02/2019</a:t>
             </a:fld>
             <a:endParaRPr lang="fr-FR"/>
           </a:p>
@@ -5059,7 +5059,7 @@
           <a:p>
             <a:fld id="{E09424A5-341D-442F-A223-BD0C9174C54E}" type="datetime1">
               <a:rPr lang="fr-FR" smtClean="0"/>
-              <a:t>23/01/2019</a:t>
+              <a:t>10/02/2019</a:t>
             </a:fld>
             <a:endParaRPr lang="fr-FR"/>
           </a:p>
@@ -5404,7 +5404,7 @@
           <a:p>
             <a:fld id="{0FF9C465-DE2B-4BC4-829E-CA8DD9D4AE2E}" type="datetime1">
               <a:rPr lang="fr-FR" smtClean="0"/>
-              <a:t>23/01/2019</a:t>
+              <a:t>10/02/2019</a:t>
             </a:fld>
             <a:endParaRPr lang="fr-FR"/>
           </a:p>
@@ -7521,7 +7521,7 @@
           <a:p>
             <a:fld id="{B172AA4A-802D-4770-9F28-3934196A7791}" type="datetime1">
               <a:rPr lang="fr-FR" smtClean="0"/>
-              <a:t>23/01/2019</a:t>
+              <a:t>10/02/2019</a:t>
             </a:fld>
             <a:endParaRPr lang="fr-FR"/>
           </a:p>
@@ -9329,8 +9329,8 @@
         </p:blipFill>
         <p:spPr>
           <a:xfrm>
-            <a:off x="2352583" y="1905000"/>
-            <a:ext cx="7332955" cy="4006850"/>
+            <a:off x="2352584" y="1905000"/>
+            <a:ext cx="5956916" cy="4006850"/>
           </a:xfrm>
           <a:prstGeom prst="rect">
             <a:avLst/>
